--- a/documents/Sentinova.pptx
+++ b/documents/Sentinova.pptx
@@ -5,10 +5,10 @@
     <p:sldMasterId id="2147483648" r:id="rId4"/>
   </p:sldMasterIdLst>
   <p:notesMasterIdLst>
-    <p:notesMasterId r:id="rId14"/>
+    <p:notesMasterId r:id="rId13"/>
   </p:notesMasterIdLst>
   <p:handoutMasterIdLst>
-    <p:handoutMasterId r:id="rId15"/>
+    <p:handoutMasterId r:id="rId14"/>
   </p:handoutMasterIdLst>
   <p:sldIdLst>
     <p:sldId id="281" r:id="rId5"/>
@@ -16,10 +16,9 @@
     <p:sldId id="257" r:id="rId7"/>
     <p:sldId id="258" r:id="rId8"/>
     <p:sldId id="259" r:id="rId9"/>
-    <p:sldId id="260" r:id="rId10"/>
-    <p:sldId id="261" r:id="rId11"/>
-    <p:sldId id="2147483644" r:id="rId12"/>
-    <p:sldId id="2147483645" r:id="rId13"/>
+    <p:sldId id="261" r:id="rId10"/>
+    <p:sldId id="260" r:id="rId11"/>
+    <p:sldId id="2147483645" r:id="rId12"/>
   </p:sldIdLst>
   <p:sldSz cx="12192000" cy="6858000"/>
   <p:notesSz cx="6858000" cy="9144000"/>
@@ -1202,7 +1201,7 @@
           </a:lstStyle>
           <a:p>
             <a:fld id="{99C0A2E4-7ECD-C942-B464-499DABF0E9FD}" type="datetimeFigureOut">
-              <a:t>2/6/2025</a:t>
+              <a:t>2/7/2025</a:t>
             </a:fld>
             <a:endParaRPr lang="en-US"/>
           </a:p>
@@ -1378,7 +1377,7 @@
           <a:p>
             <a:fld id="{1D5447A2-935E-214D-B46A-192F00D1A54A}" type="datetimeFigureOut">
               <a:rPr lang="en-US" smtClean="0"/>
-              <a:t>2/6/2025</a:t>
+              <a:t>2/7/2025</a:t>
             </a:fld>
             <a:endParaRPr lang="en-US"/>
           </a:p>
@@ -12836,16 +12835,16 @@
           </a:p>
           <a:p>
             <a:r>
+              <a:rPr lang="en-US" dirty="0"/>
+              <a:t>Demo</a:t>
+            </a:r>
+          </a:p>
+          <a:p>
+            <a:r>
               <a:rPr lang="en-US" dirty="0">
                 <a:cs typeface="Arial"/>
               </a:rPr>
               <a:t>Industry Impact, Collaboration and Production Viability</a:t>
-            </a:r>
-          </a:p>
-          <a:p>
-            <a:r>
-              <a:rPr lang="en-US" dirty="0"/>
-              <a:t> Demo</a:t>
             </a:r>
           </a:p>
           <a:p>
@@ -13534,46 +13533,51 @@
               <a:rPr lang="en-IN" sz="1200" b="1" i="1" dirty="0"/>
               <a:t>(Not explicitly detailed in the diagram for brevity)</a:t>
             </a:r>
-            <a:endParaRPr lang="en-IN" sz="1200" b="1" dirty="0"/>
-          </a:p>
-          <a:p>
-            <a:r>
-              <a:rPr lang="en-IN" sz="1200" b="1" dirty="0"/>
-              <a:t>Model : LSTM </a:t>
-            </a:r>
           </a:p>
           <a:p>
             <a:pPr marL="0" indent="0">
               <a:buNone/>
             </a:pPr>
             <a:r>
-              <a:rPr lang="en-IN" sz="1200" b="1" dirty="0"/>
-              <a:t>	Output:</a:t>
-            </a:r>
-            <a:r>
-              <a:rPr lang="en-IN" sz="1200" dirty="0"/>
-              <a:t> Predicted Stock Prices</a:t>
-            </a:r>
-          </a:p>
-          <a:p>
-            <a:r>
-              <a:rPr lang="en-IN" sz="1200" b="1" dirty="0"/>
-              <a:t>Model Evaluation &amp; Comparison</a:t>
-            </a:r>
+              <a:rPr lang="en-IN" sz="1200" b="1" i="1" dirty="0"/>
+              <a:t>       APIs used – </a:t>
+            </a:r>
+            <a:r>
+              <a:rPr lang="en-IN" sz="1400" i="1" dirty="0" err="1"/>
+              <a:t>Yfinance</a:t>
+            </a:r>
+            <a:r>
+              <a:rPr lang="en-IN" sz="1400" i="1" dirty="0"/>
+              <a:t>, </a:t>
+            </a:r>
+            <a:r>
+              <a:rPr lang="en-IN" sz="1400" i="1" dirty="0" err="1"/>
+              <a:t>AlphaVantage</a:t>
+            </a:r>
+            <a:r>
+              <a:rPr lang="en-IN" sz="1400" i="1" dirty="0"/>
+              <a:t>, Reddit</a:t>
+            </a:r>
+            <a:endParaRPr lang="en-IN" sz="1200" i="1" dirty="0"/>
           </a:p>
           <a:p>
             <a:pPr marL="0" indent="0">
               <a:buNone/>
             </a:pPr>
             <a:r>
-              <a:rPr lang="en-IN" sz="1200" dirty="0"/>
-              <a:t>	Performance metrics: Mean Squared Error (MSE), Root Mean Squared Error (RMSE), 	Mean Absolute Error (MAE), Mean Absolute Percentage Error (MAPE)</a:t>
-            </a:r>
+              <a:rPr lang="en-IN" sz="1200" b="1" i="1" dirty="0"/>
+              <a:t>       Sentiment Models – </a:t>
+            </a:r>
+            <a:r>
+              <a:rPr lang="en-IN" sz="1200" i="1" dirty="0"/>
+              <a:t>NLTK VADER</a:t>
+            </a:r>
+            <a:endParaRPr lang="en-IN" sz="1200" dirty="0"/>
           </a:p>
           <a:p>
             <a:r>
               <a:rPr lang="en-IN" sz="1200" b="1" dirty="0"/>
-              <a:t>Results &amp; Insights</a:t>
+              <a:t>Model : LSTM </a:t>
             </a:r>
           </a:p>
           <a:p>
@@ -13581,16 +13585,18 @@
               <a:buNone/>
             </a:pPr>
             <a:r>
+              <a:rPr lang="en-IN" sz="1200" b="1" dirty="0"/>
+              <a:t>	Output:</a:t>
+            </a:r>
+            <a:r>
               <a:rPr lang="en-IN" sz="1200" dirty="0"/>
-              <a:t>	</a:t>
-            </a:r>
-            <a:r>
-              <a:rPr lang="en-IN" sz="1200" dirty="0" err="1"/>
-              <a:t>Analyze</a:t>
-            </a:r>
-            <a:r>
-              <a:rPr lang="en-IN" sz="1200" dirty="0"/>
-              <a:t> predictions vs. actual market data</a:t>
+              <a:t> Predicted Stock Prices</a:t>
+            </a:r>
+          </a:p>
+          <a:p>
+            <a:r>
+              <a:rPr lang="en-IN" sz="1200" b="1" dirty="0"/>
+              <a:t>Model Evaluation &amp; Comparison</a:t>
             </a:r>
           </a:p>
           <a:p>
@@ -13599,17 +13605,85 @@
             </a:pPr>
             <a:r>
               <a:rPr lang="en-IN" sz="1200" dirty="0"/>
-              <a:t>	Identify factors influencing stock price movements</a:t>
+              <a:t>	Performance metrics: Mean Squared Error (MSE), Root Mean Squared Error (RMSE), 	Mean Absolute Error (MAE), Mean Absolute Percentage Error (MAPE)</a:t>
             </a:r>
           </a:p>
           <a:p>
             <a:pPr marL="0" indent="0">
               <a:buNone/>
             </a:pPr>
+            <a:endParaRPr lang="en-IN" sz="1200" dirty="0"/>
+          </a:p>
+          <a:p>
+            <a:pPr marL="0" indent="0">
+              <a:buNone/>
+            </a:pPr>
+            <a:endParaRPr lang="en-IN" sz="1200" dirty="0"/>
+          </a:p>
+          <a:p>
+            <a:pPr marL="0" indent="0">
+              <a:buNone/>
+            </a:pPr>
+            <a:endParaRPr lang="en-IN" sz="1200" dirty="0"/>
+          </a:p>
+          <a:p>
+            <a:pPr marL="0" indent="0">
+              <a:buNone/>
+            </a:pPr>
+            <a:endParaRPr lang="en-IN" sz="1200" dirty="0"/>
+          </a:p>
+          <a:p>
+            <a:r>
+              <a:rPr lang="en-IN" sz="1200" b="1" dirty="0"/>
+              <a:t>Results &amp; Insights</a:t>
+            </a:r>
+          </a:p>
+          <a:p>
+            <a:pPr marL="0" indent="0">
+              <a:buNone/>
+            </a:pPr>
+            <a:r>
+              <a:rPr lang="en-IN" sz="1200" dirty="0"/>
+              <a:t>	</a:t>
+            </a:r>
+            <a:r>
+              <a:rPr lang="en-IN" sz="1200" dirty="0" err="1"/>
+              <a:t>Analyze</a:t>
+            </a:r>
+            <a:r>
+              <a:rPr lang="en-IN" sz="1200" dirty="0"/>
+              <a:t> predictions vs. actual market data</a:t>
+            </a:r>
+          </a:p>
+          <a:p>
+            <a:pPr marL="0" indent="0">
+              <a:buNone/>
+            </a:pPr>
+            <a:r>
+              <a:rPr lang="en-IN" sz="1200" dirty="0"/>
+              <a:t>	Identify factors influencing stock price movements</a:t>
+            </a:r>
+          </a:p>
+          <a:p>
+            <a:pPr marL="0" indent="0">
+              <a:buNone/>
+            </a:pPr>
             <a:r>
               <a:rPr lang="en-IN" sz="1200" dirty="0"/>
               <a:t>	Visualize predictions to gain insights</a:t>
             </a:r>
+          </a:p>
+          <a:p>
+            <a:pPr marL="0" indent="0">
+              <a:buNone/>
+            </a:pPr>
+            <a:endParaRPr lang="en-IN" sz="1200" dirty="0"/>
+          </a:p>
+          <a:p>
+            <a:pPr marL="0" indent="0">
+              <a:buNone/>
+            </a:pPr>
+            <a:endParaRPr lang="en-IN" sz="1200" dirty="0"/>
           </a:p>
         </p:txBody>
       </p:sp>
@@ -13667,10 +13741,10 @@
       </p:sp>
       <p:pic>
         <p:nvPicPr>
-          <p:cNvPr id="3" name="Picture 2">
-            <a:extLst>
-              <a:ext uri="{FF2B5EF4-FFF2-40B4-BE49-F238E27FC236}">
-                <a16:creationId xmlns:a16="http://schemas.microsoft.com/office/drawing/2014/main" id="{4C078A83-5535-70D7-919F-499397028BDB}"/>
+          <p:cNvPr id="2" name="Picture 1">
+            <a:extLst>
+              <a:ext uri="{FF2B5EF4-FFF2-40B4-BE49-F238E27FC236}">
+                <a16:creationId xmlns:a16="http://schemas.microsoft.com/office/drawing/2014/main" id="{BEC114CB-ACA2-5BB0-68B1-8354492D4F3E}"/>
               </a:ext>
             </a:extLst>
           </p:cNvPr>
@@ -13687,8 +13761,38 @@
         </p:blipFill>
         <p:spPr>
           <a:xfrm>
-            <a:off x="7334249" y="821225"/>
-            <a:ext cx="3514726" cy="5215550"/>
+            <a:off x="1259205" y="3620174"/>
+            <a:ext cx="3846195" cy="1062037"/>
+          </a:xfrm>
+          <a:prstGeom prst="rect">
+            <a:avLst/>
+          </a:prstGeom>
+        </p:spPr>
+      </p:pic>
+      <p:pic>
+        <p:nvPicPr>
+          <p:cNvPr id="10" name="Picture 9">
+            <a:extLst>
+              <a:ext uri="{FF2B5EF4-FFF2-40B4-BE49-F238E27FC236}">
+                <a16:creationId xmlns:a16="http://schemas.microsoft.com/office/drawing/2014/main" id="{5C1A7716-95B8-43DD-F932-724A21969D88}"/>
+              </a:ext>
+            </a:extLst>
+          </p:cNvPr>
+          <p:cNvPicPr>
+            <a:picLocks noChangeAspect="1"/>
+          </p:cNvPicPr>
+          <p:nvPr/>
+        </p:nvPicPr>
+        <p:blipFill>
+          <a:blip r:embed="rId3"/>
+          <a:stretch>
+            <a:fillRect/>
+          </a:stretch>
+        </p:blipFill>
+        <p:spPr>
+          <a:xfrm>
+            <a:off x="7297003" y="795212"/>
+            <a:ext cx="3896734" cy="5217531"/>
           </a:xfrm>
           <a:prstGeom prst="rect">
             <a:avLst/>
@@ -14029,7 +14133,7 @@
                 <a:ea typeface="Calibri" panose="020F0502020204030204" pitchFamily="34" charset="0"/>
                 <a:cs typeface="Times New Roman" panose="02020603050405020304" pitchFamily="18" charset="0"/>
               </a:rPr>
-              <a:t> - A user interface built using SCSS, HTML, Flash &amp; Java Script for data interaction and visualization.</a:t>
+              <a:t> - A user interface built using SCSS, HTML, Flask &amp; Java Script for data interaction and visualization.</a:t>
             </a:r>
           </a:p>
           <a:p>
@@ -14097,7 +14201,7 @@
                 <a:ea typeface="Calibri" panose="020F0502020204030204" pitchFamily="34" charset="0"/>
                 <a:cs typeface="Times New Roman" panose="02020603050405020304" pitchFamily="18" charset="0"/>
               </a:rPr>
-              <a:t> - Python-based model for training and inference.</a:t>
+              <a:t> - Python-based model for training and inference</a:t>
             </a:r>
           </a:p>
           <a:p>
@@ -14211,41 +14315,6 @@
             <a:r>
               <a:rPr lang="en-US"/>
               <a:t>Technical Implementation</a:t>
-            </a:r>
-          </a:p>
-        </p:txBody>
-      </p:sp>
-      <p:sp>
-        <p:nvSpPr>
-          <p:cNvPr id="12" name="TextBox 11">
-            <a:extLst>
-              <a:ext uri="{FF2B5EF4-FFF2-40B4-BE49-F238E27FC236}">
-                <a16:creationId xmlns:a16="http://schemas.microsoft.com/office/drawing/2014/main" id="{7B79F9B4-15E9-E2AD-6448-F418350AAE9D}"/>
-              </a:ext>
-            </a:extLst>
-          </p:cNvPr>
-          <p:cNvSpPr txBox="1"/>
-          <p:nvPr/>
-        </p:nvSpPr>
-        <p:spPr>
-          <a:xfrm>
-            <a:off x="421696" y="4273701"/>
-            <a:ext cx="7620000" cy="307777"/>
-          </a:xfrm>
-          <a:prstGeom prst="rect">
-            <a:avLst/>
-          </a:prstGeom>
-          <a:noFill/>
-        </p:spPr>
-        <p:txBody>
-          <a:bodyPr wrap="square" rtlCol="0">
-            <a:spAutoFit/>
-          </a:bodyPr>
-          <a:lstStyle/>
-          <a:p>
-            <a:r>
-              <a:rPr lang="en-IN" sz="1400" b="1" dirty="0"/>
-              <a:t>Model Performance &amp; Results</a:t>
             </a:r>
           </a:p>
         </p:txBody>
@@ -14872,36 +14941,6 @@
           </a:p>
         </p:txBody>
       </p:sp>
-      <p:pic>
-        <p:nvPicPr>
-          <p:cNvPr id="32" name="Picture 31">
-            <a:extLst>
-              <a:ext uri="{FF2B5EF4-FFF2-40B4-BE49-F238E27FC236}">
-                <a16:creationId xmlns:a16="http://schemas.microsoft.com/office/drawing/2014/main" id="{BEC114CB-ACA2-5BB0-68B1-8354492D4F3E}"/>
-              </a:ext>
-            </a:extLst>
-          </p:cNvPr>
-          <p:cNvPicPr>
-            <a:picLocks noChangeAspect="1"/>
-          </p:cNvPicPr>
-          <p:nvPr/>
-        </p:nvPicPr>
-        <p:blipFill>
-          <a:blip r:embed="rId3"/>
-          <a:stretch>
-            <a:fillRect/>
-          </a:stretch>
-        </p:blipFill>
-        <p:spPr>
-          <a:xfrm>
-            <a:off x="488591" y="4654141"/>
-            <a:ext cx="3638463" cy="1062037"/>
-          </a:xfrm>
-          <a:prstGeom prst="rect">
-            <a:avLst/>
-          </a:prstGeom>
-        </p:spPr>
-      </p:pic>
     </p:spTree>
     <p:extLst>
       <p:ext uri="{BB962C8B-B14F-4D97-AF65-F5344CB8AC3E}">
@@ -14916,6 +14955,169 @@
 </file>
 
 <file path=ppt/slides/slide6.xml><?xml version="1.0" encoding="utf-8"?>
+<p:sld xmlns:a="http://schemas.openxmlformats.org/drawingml/2006/main" xmlns:r="http://schemas.openxmlformats.org/officeDocument/2006/relationships" xmlns:p="http://schemas.openxmlformats.org/presentationml/2006/main">
+  <p:cSld>
+    <p:spTree>
+      <p:nvGrpSpPr>
+        <p:cNvPr id="1" name="">
+          <a:extLst>
+            <a:ext uri="{FF2B5EF4-FFF2-40B4-BE49-F238E27FC236}">
+              <a16:creationId xmlns:a16="http://schemas.microsoft.com/office/drawing/2014/main" id="{8D7EC8E6-12DE-995B-60EE-028DC42D8FED}"/>
+            </a:ext>
+          </a:extLst>
+        </p:cNvPr>
+        <p:cNvGrpSpPr/>
+        <p:nvPr/>
+      </p:nvGrpSpPr>
+      <p:grpSpPr>
+        <a:xfrm>
+          <a:off x="0" y="0"/>
+          <a:ext cx="0" cy="0"/>
+          <a:chOff x="0" y="0"/>
+          <a:chExt cx="0" cy="0"/>
+        </a:xfrm>
+      </p:grpSpPr>
+      <p:cxnSp>
+        <p:nvCxnSpPr>
+          <p:cNvPr id="4" name="Straight Connector 3">
+            <a:extLst>
+              <a:ext uri="{FF2B5EF4-FFF2-40B4-BE49-F238E27FC236}">
+                <a16:creationId xmlns:a16="http://schemas.microsoft.com/office/drawing/2014/main" id="{76EE7AE2-88BB-3EA8-BED0-902F304A1EB4}"/>
+              </a:ext>
+            </a:extLst>
+          </p:cNvPr>
+          <p:cNvCxnSpPr>
+            <a:cxnSpLocks/>
+          </p:cNvCxnSpPr>
+          <p:nvPr/>
+        </p:nvCxnSpPr>
+        <p:spPr>
+          <a:xfrm>
+            <a:off x="474388" y="762564"/>
+            <a:ext cx="11206556" cy="0"/>
+          </a:xfrm>
+          <a:prstGeom prst="line">
+            <a:avLst/>
+          </a:prstGeom>
+          <a:ln w="6350">
+            <a:solidFill>
+              <a:schemeClr val="tx1"/>
+            </a:solidFill>
+          </a:ln>
+        </p:spPr>
+        <p:style>
+          <a:lnRef idx="1">
+            <a:schemeClr val="accent1"/>
+          </a:lnRef>
+          <a:fillRef idx="0">
+            <a:schemeClr val="accent1"/>
+          </a:fillRef>
+          <a:effectRef idx="0">
+            <a:schemeClr val="accent1"/>
+          </a:effectRef>
+          <a:fontRef idx="minor">
+            <a:schemeClr val="tx1"/>
+          </a:fontRef>
+        </p:style>
+      </p:cxnSp>
+      <p:sp>
+        <p:nvSpPr>
+          <p:cNvPr id="6" name="Title 6">
+            <a:extLst>
+              <a:ext uri="{FF2B5EF4-FFF2-40B4-BE49-F238E27FC236}">
+                <a16:creationId xmlns:a16="http://schemas.microsoft.com/office/drawing/2014/main" id="{90AB7C0C-CDC3-D195-D648-35BBC1D21F24}"/>
+              </a:ext>
+            </a:extLst>
+          </p:cNvPr>
+          <p:cNvSpPr txBox="1">
+            <a:spLocks/>
+          </p:cNvSpPr>
+          <p:nvPr/>
+        </p:nvSpPr>
+        <p:spPr>
+          <a:xfrm>
+            <a:off x="474387" y="118245"/>
+            <a:ext cx="10858787" cy="583831"/>
+          </a:xfrm>
+          <a:prstGeom prst="rect">
+            <a:avLst/>
+          </a:prstGeom>
+        </p:spPr>
+        <p:txBody>
+          <a:bodyPr/>
+          <a:lstStyle>
+            <a:lvl1pPr algn="l" defTabSz="914400" rtl="0" eaLnBrk="1" latinLnBrk="0" hangingPunct="1">
+              <a:lnSpc>
+                <a:spcPct val="90000"/>
+              </a:lnSpc>
+              <a:spcBef>
+                <a:spcPct val="0"/>
+              </a:spcBef>
+              <a:buNone/>
+              <a:defRPr sz="2800" b="1" i="0" kern="1200">
+                <a:solidFill>
+                  <a:schemeClr val="tx1"/>
+                </a:solidFill>
+                <a:latin typeface="+mj-lt"/>
+                <a:ea typeface="+mj-ea"/>
+                <a:cs typeface="Arial Narrow" panose="020B0604020202020204" pitchFamily="34" charset="0"/>
+              </a:defRPr>
+            </a:lvl1pPr>
+          </a:lstStyle>
+          <a:p>
+            <a:r>
+              <a:rPr lang="en-US" dirty="0">
+                <a:cs typeface="Arial"/>
+              </a:rPr>
+              <a:t>Demo</a:t>
+            </a:r>
+          </a:p>
+        </p:txBody>
+      </p:sp>
+      <p:pic>
+        <p:nvPicPr>
+          <p:cNvPr id="10" name="Picture 9">
+            <a:extLst>
+              <a:ext uri="{FF2B5EF4-FFF2-40B4-BE49-F238E27FC236}">
+                <a16:creationId xmlns:a16="http://schemas.microsoft.com/office/drawing/2014/main" id="{CA856057-5601-1A0F-9B82-4E5F61DA9983}"/>
+              </a:ext>
+            </a:extLst>
+          </p:cNvPr>
+          <p:cNvPicPr>
+            <a:picLocks noChangeAspect="1"/>
+          </p:cNvPicPr>
+          <p:nvPr/>
+        </p:nvPicPr>
+        <p:blipFill>
+          <a:blip r:embed="rId2"/>
+          <a:stretch>
+            <a:fillRect/>
+          </a:stretch>
+        </p:blipFill>
+        <p:spPr>
+          <a:xfrm>
+            <a:off x="0" y="495300"/>
+            <a:ext cx="12192000" cy="5867400"/>
+          </a:xfrm>
+          <a:prstGeom prst="rect">
+            <a:avLst/>
+          </a:prstGeom>
+        </p:spPr>
+      </p:pic>
+    </p:spTree>
+    <p:extLst>
+      <p:ext uri="{BB962C8B-B14F-4D97-AF65-F5344CB8AC3E}">
+        <p14:creationId xmlns:p14="http://schemas.microsoft.com/office/powerpoint/2010/main" val="1076723472"/>
+      </p:ext>
+    </p:extLst>
+  </p:cSld>
+  <p:clrMapOvr>
+    <a:masterClrMapping/>
+  </p:clrMapOvr>
+</p:sld>
+</file>
+
+<file path=ppt/slides/slide7.xml><?xml version="1.0" encoding="utf-8"?>
 <p:sld xmlns:a="http://schemas.openxmlformats.org/drawingml/2006/main" xmlns:r="http://schemas.openxmlformats.org/officeDocument/2006/relationships" xmlns:p="http://schemas.openxmlformats.org/presentationml/2006/main">
   <p:cSld>
     <p:spTree>
@@ -15224,6 +15426,18 @@
             <a:endParaRPr lang="en-US" b="1" dirty="0"/>
           </a:p>
           <a:p>
+            <a:pPr marL="508000" lvl="1" indent="0">
+              <a:spcBef>
+                <a:spcPts val="100"/>
+              </a:spcBef>
+              <a:spcAft>
+                <a:spcPts val="100"/>
+              </a:spcAft>
+              <a:buNone/>
+            </a:pPr>
+            <a:endParaRPr lang="en-US" b="1" dirty="0"/>
+          </a:p>
+          <a:p>
             <a:pPr marL="192088" indent="-192088">
               <a:spcBef>
                 <a:spcPts val="100"/>
@@ -15234,11 +15448,23 @@
             </a:pPr>
             <a:r>
               <a:rPr lang="en-US" sz="1600" b="1" dirty="0"/>
-              <a:t>Scalability</a:t>
-            </a:r>
-          </a:p>
-          <a:p>
-            <a:pPr marL="700088" lvl="1" indent="-192088">
+              <a:t>Automatic training of model using automatic jobs Jenkins CI/CD</a:t>
+            </a:r>
+          </a:p>
+          <a:p>
+            <a:pPr marL="508000" lvl="1" indent="0">
+              <a:spcBef>
+                <a:spcPts val="100"/>
+              </a:spcBef>
+              <a:spcAft>
+                <a:spcPts val="100"/>
+              </a:spcAft>
+              <a:buNone/>
+            </a:pPr>
+            <a:endParaRPr lang="en-US" b="1" dirty="0"/>
+          </a:p>
+          <a:p>
+            <a:pPr marL="192088" indent="-192088">
               <a:spcBef>
                 <a:spcPts val="100"/>
               </a:spcBef>
@@ -15247,13 +15473,12 @@
               </a:spcAft>
             </a:pPr>
             <a:r>
-              <a:rPr lang="en-US" b="1" dirty="0"/>
-              <a:t>Integrate with more data providers to fetch more real-time datasets to train the model</a:t>
-            </a:r>
-            <a:endParaRPr lang="en-US" dirty="0"/>
-          </a:p>
-          <a:p>
-            <a:pPr marL="192088" indent="-192088">
+              <a:rPr lang="en-US" sz="1600" b="1" dirty="0"/>
+              <a:t>Scalability</a:t>
+            </a:r>
+          </a:p>
+          <a:p>
+            <a:pPr marL="700088" lvl="1" indent="-192088">
               <a:spcBef>
                 <a:spcPts val="100"/>
               </a:spcBef>
@@ -15262,9 +15487,33 @@
               </a:spcAft>
             </a:pPr>
             <a:r>
-              <a:rPr lang="en-US" sz="1600" b="1" dirty="0"/>
-              <a:t>Automatic training of model using automatic jobs Jenkins CI/CD</a:t>
-            </a:r>
+              <a:rPr lang="en-US" b="1" dirty="0"/>
+              <a:t>Integrate with more data providers to fetch more real-time datasets to train the model</a:t>
+            </a:r>
+          </a:p>
+          <a:p>
+            <a:pPr marL="508000" lvl="1" indent="0">
+              <a:spcBef>
+                <a:spcPts val="100"/>
+              </a:spcBef>
+              <a:spcAft>
+                <a:spcPts val="100"/>
+              </a:spcAft>
+              <a:buNone/>
+            </a:pPr>
+            <a:endParaRPr lang="en-US" b="1" dirty="0"/>
+          </a:p>
+          <a:p>
+            <a:pPr marL="0" indent="0">
+              <a:spcBef>
+                <a:spcPts val="100"/>
+              </a:spcBef>
+              <a:spcAft>
+                <a:spcPts val="100"/>
+              </a:spcAft>
+              <a:buNone/>
+            </a:pPr>
+            <a:endParaRPr lang="en-US" sz="1600" b="1" dirty="0"/>
           </a:p>
           <a:p>
             <a:pPr marL="192088" indent="-192088">
@@ -15410,513 +15659,7 @@
 </p:sld>
 </file>
 
-<file path=ppt/slides/slide7.xml><?xml version="1.0" encoding="utf-8"?>
-<p:sld xmlns:a="http://schemas.openxmlformats.org/drawingml/2006/main" xmlns:r="http://schemas.openxmlformats.org/officeDocument/2006/relationships" xmlns:p="http://schemas.openxmlformats.org/presentationml/2006/main">
-  <p:cSld>
-    <p:spTree>
-      <p:nvGrpSpPr>
-        <p:cNvPr id="1" name="">
-          <a:extLst>
-            <a:ext uri="{FF2B5EF4-FFF2-40B4-BE49-F238E27FC236}">
-              <a16:creationId xmlns:a16="http://schemas.microsoft.com/office/drawing/2014/main" id="{8D7EC8E6-12DE-995B-60EE-028DC42D8FED}"/>
-            </a:ext>
-          </a:extLst>
-        </p:cNvPr>
-        <p:cNvGrpSpPr/>
-        <p:nvPr/>
-      </p:nvGrpSpPr>
-      <p:grpSpPr>
-        <a:xfrm>
-          <a:off x="0" y="0"/>
-          <a:ext cx="0" cy="0"/>
-          <a:chOff x="0" y="0"/>
-          <a:chExt cx="0" cy="0"/>
-        </a:xfrm>
-      </p:grpSpPr>
-      <p:cxnSp>
-        <p:nvCxnSpPr>
-          <p:cNvPr id="4" name="Straight Connector 3">
-            <a:extLst>
-              <a:ext uri="{FF2B5EF4-FFF2-40B4-BE49-F238E27FC236}">
-                <a16:creationId xmlns:a16="http://schemas.microsoft.com/office/drawing/2014/main" id="{76EE7AE2-88BB-3EA8-BED0-902F304A1EB4}"/>
-              </a:ext>
-            </a:extLst>
-          </p:cNvPr>
-          <p:cNvCxnSpPr>
-            <a:cxnSpLocks/>
-          </p:cNvCxnSpPr>
-          <p:nvPr/>
-        </p:nvCxnSpPr>
-        <p:spPr>
-          <a:xfrm>
-            <a:off x="474388" y="762564"/>
-            <a:ext cx="11206556" cy="0"/>
-          </a:xfrm>
-          <a:prstGeom prst="line">
-            <a:avLst/>
-          </a:prstGeom>
-          <a:ln w="6350">
-            <a:solidFill>
-              <a:schemeClr val="tx1"/>
-            </a:solidFill>
-          </a:ln>
-        </p:spPr>
-        <p:style>
-          <a:lnRef idx="1">
-            <a:schemeClr val="accent1"/>
-          </a:lnRef>
-          <a:fillRef idx="0">
-            <a:schemeClr val="accent1"/>
-          </a:fillRef>
-          <a:effectRef idx="0">
-            <a:schemeClr val="accent1"/>
-          </a:effectRef>
-          <a:fontRef idx="minor">
-            <a:schemeClr val="tx1"/>
-          </a:fontRef>
-        </p:style>
-      </p:cxnSp>
-      <p:sp>
-        <p:nvSpPr>
-          <p:cNvPr id="6" name="Title 6">
-            <a:extLst>
-              <a:ext uri="{FF2B5EF4-FFF2-40B4-BE49-F238E27FC236}">
-                <a16:creationId xmlns:a16="http://schemas.microsoft.com/office/drawing/2014/main" id="{90AB7C0C-CDC3-D195-D648-35BBC1D21F24}"/>
-              </a:ext>
-            </a:extLst>
-          </p:cNvPr>
-          <p:cNvSpPr txBox="1">
-            <a:spLocks/>
-          </p:cNvSpPr>
-          <p:nvPr/>
-        </p:nvSpPr>
-        <p:spPr>
-          <a:xfrm>
-            <a:off x="474387" y="118245"/>
-            <a:ext cx="10858787" cy="583831"/>
-          </a:xfrm>
-          <a:prstGeom prst="rect">
-            <a:avLst/>
-          </a:prstGeom>
-        </p:spPr>
-        <p:txBody>
-          <a:bodyPr/>
-          <a:lstStyle>
-            <a:lvl1pPr algn="l" defTabSz="914400" rtl="0" eaLnBrk="1" latinLnBrk="0" hangingPunct="1">
-              <a:lnSpc>
-                <a:spcPct val="90000"/>
-              </a:lnSpc>
-              <a:spcBef>
-                <a:spcPct val="0"/>
-              </a:spcBef>
-              <a:buNone/>
-              <a:defRPr sz="2800" b="1" i="0" kern="1200">
-                <a:solidFill>
-                  <a:schemeClr val="tx1"/>
-                </a:solidFill>
-                <a:latin typeface="+mj-lt"/>
-                <a:ea typeface="+mj-ea"/>
-                <a:cs typeface="Arial Narrow" panose="020B0604020202020204" pitchFamily="34" charset="0"/>
-              </a:defRPr>
-            </a:lvl1pPr>
-          </a:lstStyle>
-          <a:p>
-            <a:r>
-              <a:rPr lang="en-US" dirty="0">
-                <a:cs typeface="Arial"/>
-              </a:rPr>
-              <a:t>Demo</a:t>
-            </a:r>
-          </a:p>
-        </p:txBody>
-      </p:sp>
-      <p:pic>
-        <p:nvPicPr>
-          <p:cNvPr id="10" name="Picture 9">
-            <a:extLst>
-              <a:ext uri="{FF2B5EF4-FFF2-40B4-BE49-F238E27FC236}">
-                <a16:creationId xmlns:a16="http://schemas.microsoft.com/office/drawing/2014/main" id="{CA856057-5601-1A0F-9B82-4E5F61DA9983}"/>
-              </a:ext>
-            </a:extLst>
-          </p:cNvPr>
-          <p:cNvPicPr>
-            <a:picLocks noChangeAspect="1"/>
-          </p:cNvPicPr>
-          <p:nvPr/>
-        </p:nvPicPr>
-        <p:blipFill>
-          <a:blip r:embed="rId2"/>
-          <a:stretch>
-            <a:fillRect/>
-          </a:stretch>
-        </p:blipFill>
-        <p:spPr>
-          <a:xfrm>
-            <a:off x="0" y="495300"/>
-            <a:ext cx="12192000" cy="5867400"/>
-          </a:xfrm>
-          <a:prstGeom prst="rect">
-            <a:avLst/>
-          </a:prstGeom>
-        </p:spPr>
-      </p:pic>
-    </p:spTree>
-    <p:extLst>
-      <p:ext uri="{BB962C8B-B14F-4D97-AF65-F5344CB8AC3E}">
-        <p14:creationId xmlns:p14="http://schemas.microsoft.com/office/powerpoint/2010/main" val="1076723472"/>
-      </p:ext>
-    </p:extLst>
-  </p:cSld>
-  <p:clrMapOvr>
-    <a:masterClrMapping/>
-  </p:clrMapOvr>
-</p:sld>
-</file>
-
 <file path=ppt/slides/slide8.xml><?xml version="1.0" encoding="utf-8"?>
-<p:sld xmlns:a="http://schemas.openxmlformats.org/drawingml/2006/main" xmlns:r="http://schemas.openxmlformats.org/officeDocument/2006/relationships" xmlns:p="http://schemas.openxmlformats.org/presentationml/2006/main">
-  <p:cSld>
-    <p:spTree>
-      <p:nvGrpSpPr>
-        <p:cNvPr id="1" name="">
-          <a:extLst>
-            <a:ext uri="{FF2B5EF4-FFF2-40B4-BE49-F238E27FC236}">
-              <a16:creationId xmlns:a16="http://schemas.microsoft.com/office/drawing/2014/main" id="{0C13C3AB-432C-2F2D-7E87-9E639FF2A656}"/>
-            </a:ext>
-          </a:extLst>
-        </p:cNvPr>
-        <p:cNvGrpSpPr/>
-        <p:nvPr/>
-      </p:nvGrpSpPr>
-      <p:grpSpPr>
-        <a:xfrm>
-          <a:off x="0" y="0"/>
-          <a:ext cx="0" cy="0"/>
-          <a:chOff x="0" y="0"/>
-          <a:chExt cx="0" cy="0"/>
-        </a:xfrm>
-      </p:grpSpPr>
-      <p:sp>
-        <p:nvSpPr>
-          <p:cNvPr id="2" name="Content Placeholder 7">
-            <a:extLst>
-              <a:ext uri="{FF2B5EF4-FFF2-40B4-BE49-F238E27FC236}">
-                <a16:creationId xmlns:a16="http://schemas.microsoft.com/office/drawing/2014/main" id="{5B32FE31-D867-3612-6ACE-8420A86F8E50}"/>
-              </a:ext>
-            </a:extLst>
-          </p:cNvPr>
-          <p:cNvSpPr txBox="1">
-            <a:spLocks/>
-          </p:cNvSpPr>
-          <p:nvPr/>
-        </p:nvSpPr>
-        <p:spPr>
-          <a:xfrm>
-            <a:off x="696594" y="1581297"/>
-            <a:ext cx="10636581" cy="4159486"/>
-          </a:xfrm>
-          <a:prstGeom prst="rect">
-            <a:avLst/>
-          </a:prstGeom>
-        </p:spPr>
-        <p:txBody>
-          <a:bodyPr/>
-          <a:lstStyle>
-            <a:lvl1pPr marL="292100" indent="-292100" algn="l" defTabSz="914400" rtl="0" eaLnBrk="1" latinLnBrk="0" hangingPunct="1">
-              <a:lnSpc>
-                <a:spcPct val="100000"/>
-              </a:lnSpc>
-              <a:spcBef>
-                <a:spcPts val="1000"/>
-              </a:spcBef>
-              <a:buClr>
-                <a:schemeClr val="accent3"/>
-              </a:buClr>
-              <a:buFont typeface="System Font Regular"/>
-              <a:buChar char="▸"/>
-              <a:tabLst/>
-              <a:defRPr sz="1800" kern="1200">
-                <a:solidFill>
-                  <a:schemeClr val="tx1"/>
-                </a:solidFill>
-                <a:latin typeface="+mn-lt"/>
-                <a:ea typeface="+mn-ea"/>
-                <a:cs typeface="+mn-cs"/>
-              </a:defRPr>
-            </a:lvl1pPr>
-            <a:lvl2pPr marL="800100" indent="-342900" algn="l" defTabSz="914400" rtl="0" eaLnBrk="1" latinLnBrk="0" hangingPunct="1">
-              <a:lnSpc>
-                <a:spcPct val="100000"/>
-              </a:lnSpc>
-              <a:spcBef>
-                <a:spcPts val="500"/>
-              </a:spcBef>
-              <a:buClr>
-                <a:schemeClr val="accent4"/>
-              </a:buClr>
-              <a:buFont typeface="System Font Regular"/>
-              <a:buChar char="▸"/>
-              <a:tabLst/>
-              <a:defRPr sz="1600" kern="1200">
-                <a:solidFill>
-                  <a:schemeClr val="tx1"/>
-                </a:solidFill>
-                <a:latin typeface="+mn-lt"/>
-                <a:ea typeface="+mn-ea"/>
-                <a:cs typeface="+mn-cs"/>
-              </a:defRPr>
-            </a:lvl2pPr>
-            <a:lvl3pPr marL="1095375" indent="-295275" algn="l" defTabSz="914400" rtl="0" eaLnBrk="1" latinLnBrk="0" hangingPunct="1">
-              <a:lnSpc>
-                <a:spcPct val="100000"/>
-              </a:lnSpc>
-              <a:spcBef>
-                <a:spcPts val="500"/>
-              </a:spcBef>
-              <a:buClr>
-                <a:schemeClr val="accent5"/>
-              </a:buClr>
-              <a:buFont typeface="System Font Regular"/>
-              <a:buChar char="▸"/>
-              <a:tabLst/>
-              <a:defRPr sz="1400" kern="1200">
-                <a:solidFill>
-                  <a:schemeClr val="tx1"/>
-                </a:solidFill>
-                <a:latin typeface="+mn-lt"/>
-                <a:ea typeface="+mn-ea"/>
-                <a:cs typeface="+mn-cs"/>
-              </a:defRPr>
-            </a:lvl3pPr>
-            <a:lvl4pPr marL="1485900" indent="-285750" algn="l" defTabSz="914400" rtl="0" eaLnBrk="1" latinLnBrk="0" hangingPunct="1">
-              <a:lnSpc>
-                <a:spcPct val="100000"/>
-              </a:lnSpc>
-              <a:spcBef>
-                <a:spcPts val="500"/>
-              </a:spcBef>
-              <a:buClr>
-                <a:schemeClr val="accent6"/>
-              </a:buClr>
-              <a:buFont typeface="System Font Regular"/>
-              <a:buChar char="▸"/>
-              <a:tabLst/>
-              <a:defRPr sz="1200" kern="1200">
-                <a:solidFill>
-                  <a:schemeClr val="tx1"/>
-                </a:solidFill>
-                <a:latin typeface="+mn-lt"/>
-                <a:ea typeface="+mn-ea"/>
-                <a:cs typeface="+mn-cs"/>
-              </a:defRPr>
-            </a:lvl4pPr>
-            <a:lvl5pPr marL="1773238" indent="-287338" algn="l" defTabSz="914400" rtl="0" eaLnBrk="1" latinLnBrk="0" hangingPunct="1">
-              <a:lnSpc>
-                <a:spcPct val="100000"/>
-              </a:lnSpc>
-              <a:spcBef>
-                <a:spcPts val="500"/>
-              </a:spcBef>
-              <a:buClr>
-                <a:schemeClr val="tx1"/>
-              </a:buClr>
-              <a:buFont typeface="System Font Regular"/>
-              <a:buChar char="▸"/>
-              <a:tabLst/>
-              <a:defRPr sz="1100" kern="1200">
-                <a:solidFill>
-                  <a:schemeClr val="tx1"/>
-                </a:solidFill>
-                <a:latin typeface="+mn-lt"/>
-                <a:ea typeface="+mn-ea"/>
-                <a:cs typeface="+mn-cs"/>
-              </a:defRPr>
-            </a:lvl5pPr>
-            <a:lvl6pPr marL="2514600" indent="-228600" algn="l" defTabSz="914400" rtl="0" eaLnBrk="1" latinLnBrk="0" hangingPunct="1">
-              <a:lnSpc>
-                <a:spcPct val="90000"/>
-              </a:lnSpc>
-              <a:spcBef>
-                <a:spcPts val="500"/>
-              </a:spcBef>
-              <a:buFont typeface="Arial" panose="020B0604020202020204" pitchFamily="34" charset="0"/>
-              <a:buChar char="•"/>
-              <a:defRPr sz="1800" kern="1200">
-                <a:solidFill>
-                  <a:schemeClr val="tx1"/>
-                </a:solidFill>
-                <a:latin typeface="+mn-lt"/>
-                <a:ea typeface="+mn-ea"/>
-                <a:cs typeface="+mn-cs"/>
-              </a:defRPr>
-            </a:lvl6pPr>
-            <a:lvl7pPr marL="2971800" indent="-228600" algn="l" defTabSz="914400" rtl="0" eaLnBrk="1" latinLnBrk="0" hangingPunct="1">
-              <a:lnSpc>
-                <a:spcPct val="90000"/>
-              </a:lnSpc>
-              <a:spcBef>
-                <a:spcPts val="500"/>
-              </a:spcBef>
-              <a:buFont typeface="Arial" panose="020B0604020202020204" pitchFamily="34" charset="0"/>
-              <a:buChar char="•"/>
-              <a:defRPr sz="1800" kern="1200">
-                <a:solidFill>
-                  <a:schemeClr val="tx1"/>
-                </a:solidFill>
-                <a:latin typeface="+mn-lt"/>
-                <a:ea typeface="+mn-ea"/>
-                <a:cs typeface="+mn-cs"/>
-              </a:defRPr>
-            </a:lvl7pPr>
-            <a:lvl8pPr marL="3429000" indent="-228600" algn="l" defTabSz="914400" rtl="0" eaLnBrk="1" latinLnBrk="0" hangingPunct="1">
-              <a:lnSpc>
-                <a:spcPct val="90000"/>
-              </a:lnSpc>
-              <a:spcBef>
-                <a:spcPts val="500"/>
-              </a:spcBef>
-              <a:buFont typeface="Arial" panose="020B0604020202020204" pitchFamily="34" charset="0"/>
-              <a:buChar char="•"/>
-              <a:defRPr sz="1800" kern="1200">
-                <a:solidFill>
-                  <a:schemeClr val="tx1"/>
-                </a:solidFill>
-                <a:latin typeface="+mn-lt"/>
-                <a:ea typeface="+mn-ea"/>
-                <a:cs typeface="+mn-cs"/>
-              </a:defRPr>
-            </a:lvl8pPr>
-            <a:lvl9pPr marL="3886200" indent="-228600" algn="l" defTabSz="914400" rtl="0" eaLnBrk="1" latinLnBrk="0" hangingPunct="1">
-              <a:lnSpc>
-                <a:spcPct val="90000"/>
-              </a:lnSpc>
-              <a:spcBef>
-                <a:spcPts val="500"/>
-              </a:spcBef>
-              <a:buFont typeface="Arial" panose="020B0604020202020204" pitchFamily="34" charset="0"/>
-              <a:buChar char="•"/>
-              <a:defRPr sz="1800" kern="1200">
-                <a:solidFill>
-                  <a:schemeClr val="tx1"/>
-                </a:solidFill>
-                <a:latin typeface="+mn-lt"/>
-                <a:ea typeface="+mn-ea"/>
-                <a:cs typeface="+mn-cs"/>
-              </a:defRPr>
-            </a:lvl9pPr>
-          </a:lstStyle>
-          <a:p>
-            <a:pPr marL="192088" indent="-192088">
-              <a:spcBef>
-                <a:spcPts val="100"/>
-              </a:spcBef>
-              <a:spcAft>
-                <a:spcPts val="100"/>
-              </a:spcAft>
-            </a:pPr>
-            <a:r>
-              <a:rPr lang="en-US" b="1" dirty="0"/>
-              <a:t>Final Pitch</a:t>
-            </a:r>
-          </a:p>
-          <a:p>
-            <a:pPr marL="192088" indent="-192088">
-              <a:spcBef>
-                <a:spcPts val="100"/>
-              </a:spcBef>
-              <a:spcAft>
-                <a:spcPts val="100"/>
-              </a:spcAft>
-            </a:pPr>
-            <a:endParaRPr lang="en-US" spc="-20" dirty="0"/>
-          </a:p>
-          <a:p>
-            <a:pPr marL="192088" indent="-192088">
-              <a:spcBef>
-                <a:spcPts val="100"/>
-              </a:spcBef>
-              <a:spcAft>
-                <a:spcPts val="100"/>
-              </a:spcAft>
-            </a:pPr>
-            <a:endParaRPr lang="en-US" b="1" dirty="0"/>
-          </a:p>
-          <a:p>
-            <a:endParaRPr lang="en-US" dirty="0"/>
-          </a:p>
-          <a:p>
-            <a:endParaRPr lang="en-US" dirty="0"/>
-          </a:p>
-        </p:txBody>
-      </p:sp>
-      <p:sp>
-        <p:nvSpPr>
-          <p:cNvPr id="3" name="Title 6">
-            <a:extLst>
-              <a:ext uri="{FF2B5EF4-FFF2-40B4-BE49-F238E27FC236}">
-                <a16:creationId xmlns:a16="http://schemas.microsoft.com/office/drawing/2014/main" id="{513722DF-04BA-25A9-CE2D-96762249A2D3}"/>
-              </a:ext>
-            </a:extLst>
-          </p:cNvPr>
-          <p:cNvSpPr txBox="1">
-            <a:spLocks/>
-          </p:cNvSpPr>
-          <p:nvPr/>
-        </p:nvSpPr>
-        <p:spPr>
-          <a:xfrm>
-            <a:off x="474387" y="211382"/>
-            <a:ext cx="10858787" cy="583831"/>
-          </a:xfrm>
-          <a:prstGeom prst="rect">
-            <a:avLst/>
-          </a:prstGeom>
-        </p:spPr>
-        <p:txBody>
-          <a:bodyPr/>
-          <a:lstStyle>
-            <a:lvl1pPr algn="l" defTabSz="914400" rtl="0" eaLnBrk="1" latinLnBrk="0" hangingPunct="1">
-              <a:lnSpc>
-                <a:spcPct val="90000"/>
-              </a:lnSpc>
-              <a:spcBef>
-                <a:spcPct val="0"/>
-              </a:spcBef>
-              <a:buNone/>
-              <a:defRPr sz="2800" b="1" i="0" kern="1200">
-                <a:solidFill>
-                  <a:schemeClr val="tx1"/>
-                </a:solidFill>
-                <a:latin typeface="+mj-lt"/>
-                <a:ea typeface="+mj-ea"/>
-                <a:cs typeface="Arial Narrow" panose="020B0604020202020204" pitchFamily="34" charset="0"/>
-              </a:defRPr>
-            </a:lvl1pPr>
-          </a:lstStyle>
-          <a:p>
-            <a:r>
-              <a:rPr lang="en-US">
-                <a:cs typeface="Arial"/>
-              </a:rPr>
-              <a:t>Conclusion</a:t>
-            </a:r>
-          </a:p>
-        </p:txBody>
-      </p:sp>
-    </p:spTree>
-    <p:extLst>
-      <p:ext uri="{BB962C8B-B14F-4D97-AF65-F5344CB8AC3E}">
-        <p14:creationId xmlns:p14="http://schemas.microsoft.com/office/powerpoint/2010/main" val="3293700664"/>
-      </p:ext>
-    </p:extLst>
-  </p:cSld>
-  <p:clrMapOvr>
-    <a:masterClrMapping/>
-  </p:clrMapOvr>
-</p:sld>
-</file>
-
-<file path=ppt/slides/slide9.xml><?xml version="1.0" encoding="utf-8"?>
 <p:sld xmlns:a="http://schemas.openxmlformats.org/drawingml/2006/main" xmlns:r="http://schemas.openxmlformats.org/officeDocument/2006/relationships" xmlns:p="http://schemas.openxmlformats.org/presentationml/2006/main">
   <p:cSld>
     <p:spTree>
@@ -17024,26 +16767,6 @@
 </file>
 
 <file path=customXml/item1.xml><?xml version="1.0" encoding="utf-8"?>
-<?mso-contentType ?>
-<FormTemplates xmlns="http://schemas.microsoft.com/sharepoint/v3/contenttype/forms">
-  <Display>DocumentLibraryForm</Display>
-  <Edit>DocumentLibraryForm</Edit>
-  <New>DocumentLibraryForm</New>
-</FormTemplates>
-</file>
-
-<file path=customXml/item2.xml><?xml version="1.0" encoding="utf-8"?>
-<p:properties xmlns:p="http://schemas.microsoft.com/office/2006/metadata/properties" xmlns:xsi="http://www.w3.org/2001/XMLSchema-instance" xmlns:pc="http://schemas.microsoft.com/office/infopath/2007/PartnerControls">
-  <documentManagement>
-    <TaxCatchAll xmlns="4a284ed9-66f8-4526-8ffe-a759eb7a5148"/>
-    <lcf76f155ced4ddcb4097134ff3c332f xmlns="1065a63a-d1fb-4e7c-b49a-75e3b7913b1b">
-      <Terms xmlns="http://schemas.microsoft.com/office/infopath/2007/PartnerControls"/>
-    </lcf76f155ced4ddcb4097134ff3c332f>
-  </documentManagement>
-</p:properties>
-</file>
-
-<file path=customXml/item3.xml><?xml version="1.0" encoding="utf-8"?>
 <ct:contentTypeSchema xmlns:ct="http://schemas.microsoft.com/office/2006/metadata/contentType" xmlns:ma="http://schemas.microsoft.com/office/2006/metadata/properties/metaAttributes" ct:_="" ma:_="" ma:contentTypeName="Document" ma:contentTypeID="0x010100C511F91C0216FC43B39B2D1788EB71F2" ma:contentTypeVersion="17" ma:contentTypeDescription="Create a new document." ma:contentTypeScope="" ma:versionID="89d5374596b3f17b559a695e48028790">
   <xsd:schema xmlns:xsd="http://www.w3.org/2001/XMLSchema" xmlns:xs="http://www.w3.org/2001/XMLSchema" xmlns:p="http://schemas.microsoft.com/office/2006/metadata/properties" xmlns:ns2="1065a63a-d1fb-4e7c-b49a-75e3b7913b1b" xmlns:ns3="4a284ed9-66f8-4526-8ffe-a759eb7a5148" targetNamespace="http://schemas.microsoft.com/office/2006/metadata/properties" ma:root="true" ma:fieldsID="7fd180370dd7b60f421aec0680370c04" ns2:_="" ns3:_="">
     <xsd:import namespace="1065a63a-d1fb-4e7c-b49a-75e3b7913b1b"/>
@@ -17292,10 +17015,41 @@
 </ct:contentTypeSchema>
 </file>
 
+<file path=customXml/item2.xml><?xml version="1.0" encoding="utf-8"?>
+<p:properties xmlns:p="http://schemas.microsoft.com/office/2006/metadata/properties" xmlns:xsi="http://www.w3.org/2001/XMLSchema-instance" xmlns:pc="http://schemas.microsoft.com/office/infopath/2007/PartnerControls">
+  <documentManagement>
+    <TaxCatchAll xmlns="4a284ed9-66f8-4526-8ffe-a759eb7a5148"/>
+    <lcf76f155ced4ddcb4097134ff3c332f xmlns="1065a63a-d1fb-4e7c-b49a-75e3b7913b1b">
+      <Terms xmlns="http://schemas.microsoft.com/office/infopath/2007/PartnerControls"/>
+    </lcf76f155ced4ddcb4097134ff3c332f>
+  </documentManagement>
+</p:properties>
+</file>
+
+<file path=customXml/item3.xml><?xml version="1.0" encoding="utf-8"?>
+<?mso-contentType ?>
+<FormTemplates xmlns="http://schemas.microsoft.com/sharepoint/v3/contenttype/forms">
+  <Display>DocumentLibraryForm</Display>
+  <Edit>DocumentLibraryForm</Edit>
+  <New>DocumentLibraryForm</New>
+</FormTemplates>
+</file>
+
 <file path=customXml/itemProps1.xml><?xml version="1.0" encoding="utf-8"?>
-<ds:datastoreItem xmlns:ds="http://schemas.openxmlformats.org/officeDocument/2006/customXml" ds:itemID="{4671692A-3EFE-48B4-AC97-E6DDEACD88F0}">
+<ds:datastoreItem xmlns:ds="http://schemas.openxmlformats.org/officeDocument/2006/customXml" ds:itemID="{98A69A05-8B48-4522-B0A8-0E1853F4B294}">
   <ds:schemaRefs>
-    <ds:schemaRef ds:uri="http://schemas.microsoft.com/sharepoint/v3/contenttype/forms"/>
+    <ds:schemaRef ds:uri="1065a63a-d1fb-4e7c-b49a-75e3b7913b1b"/>
+    <ds:schemaRef ds:uri="4a284ed9-66f8-4526-8ffe-a759eb7a5148"/>
+    <ds:schemaRef ds:uri="http://purl.org/dc/elements/1.1/"/>
+    <ds:schemaRef ds:uri="http://purl.org/dc/terms/"/>
+    <ds:schemaRef ds:uri="http://schemas.microsoft.com/internal/obd"/>
+    <ds:schemaRef ds:uri="http://schemas.microsoft.com/office/2006/documentManagement/types"/>
+    <ds:schemaRef ds:uri="http://schemas.microsoft.com/office/2006/metadata/contentType"/>
+    <ds:schemaRef ds:uri="http://schemas.microsoft.com/office/2006/metadata/properties"/>
+    <ds:schemaRef ds:uri="http://schemas.microsoft.com/office/2006/metadata/properties/metaAttributes"/>
+    <ds:schemaRef ds:uri="http://schemas.microsoft.com/office/infopath/2007/PartnerControls"/>
+    <ds:schemaRef ds:uri="http://schemas.openxmlformats.org/package/2006/metadata/core-properties"/>
+    <ds:schemaRef ds:uri="http://www.w3.org/2001/XMLSchema"/>
   </ds:schemaRefs>
 </ds:datastoreItem>
 </file>
@@ -17318,20 +17072,9 @@
 </file>
 
 <file path=customXml/itemProps3.xml><?xml version="1.0" encoding="utf-8"?>
-<ds:datastoreItem xmlns:ds="http://schemas.openxmlformats.org/officeDocument/2006/customXml" ds:itemID="{98A69A05-8B48-4522-B0A8-0E1853F4B294}">
+<ds:datastoreItem xmlns:ds="http://schemas.openxmlformats.org/officeDocument/2006/customXml" ds:itemID="{4671692A-3EFE-48B4-AC97-E6DDEACD88F0}">
   <ds:schemaRefs>
-    <ds:schemaRef ds:uri="1065a63a-d1fb-4e7c-b49a-75e3b7913b1b"/>
-    <ds:schemaRef ds:uri="4a284ed9-66f8-4526-8ffe-a759eb7a5148"/>
-    <ds:schemaRef ds:uri="http://purl.org/dc/elements/1.1/"/>
-    <ds:schemaRef ds:uri="http://purl.org/dc/terms/"/>
-    <ds:schemaRef ds:uri="http://schemas.microsoft.com/internal/obd"/>
-    <ds:schemaRef ds:uri="http://schemas.microsoft.com/office/2006/documentManagement/types"/>
-    <ds:schemaRef ds:uri="http://schemas.microsoft.com/office/2006/metadata/contentType"/>
-    <ds:schemaRef ds:uri="http://schemas.microsoft.com/office/2006/metadata/properties"/>
-    <ds:schemaRef ds:uri="http://schemas.microsoft.com/office/2006/metadata/properties/metaAttributes"/>
-    <ds:schemaRef ds:uri="http://schemas.microsoft.com/office/infopath/2007/PartnerControls"/>
-    <ds:schemaRef ds:uri="http://schemas.openxmlformats.org/package/2006/metadata/core-properties"/>
-    <ds:schemaRef ds:uri="http://www.w3.org/2001/XMLSchema"/>
+    <ds:schemaRef ds:uri="http://schemas.microsoft.com/sharepoint/v3/contenttype/forms"/>
   </ds:schemaRefs>
 </ds:datastoreItem>
 </file>